--- a/Documents/Presentaties/personalias3.pptx
+++ b/Documents/Presentaties/personalias3.pptx
@@ -6275,7 +6275,7 @@
           <p:nvPr>
             <p:extLst>
               <p:ext uri="{D42A27DB-BD31-4B8C-83A1-F6EECF244321}">
-                <p14:modId xmlns:p14="http://schemas.microsoft.com/office/powerpoint/2010/main" val="3941701548"/>
+                <p14:modId xmlns:p14="http://schemas.microsoft.com/office/powerpoint/2010/main" val="1094813617"/>
               </p:ext>
             </p:extLst>
           </p:nvPr>
@@ -10131,6 +10131,66 @@
                     <a:lstStyle/>
                     <a:p>
                       <a:r>
+                        <a:rPr lang="nl-NL" sz="1000" b="1" dirty="0" smtClean="0">
+                          <a:solidFill>
+                            <a:schemeClr val="tx1"/>
+                          </a:solidFill>
+                          <a:latin typeface="Arial" panose="020B0604020202020204" pitchFamily="34" charset="0"/>
+                          <a:cs typeface="Arial" panose="020B0604020202020204" pitchFamily="34" charset="0"/>
+                        </a:rPr>
+                        <a:t>3</a:t>
+                      </a:r>
+                      <a:r>
+                        <a:rPr lang="nl-NL" sz="1000" b="1" baseline="30000" dirty="0" smtClean="0">
+                          <a:solidFill>
+                            <a:schemeClr val="tx1"/>
+                          </a:solidFill>
+                          <a:latin typeface="Arial" panose="020B0604020202020204" pitchFamily="34" charset="0"/>
+                          <a:cs typeface="Arial" panose="020B0604020202020204" pitchFamily="34" charset="0"/>
+                        </a:rPr>
+                        <a:t>de</a:t>
+                      </a:r>
+                      <a:r>
+                        <a:rPr lang="nl-NL" sz="1000" b="1" baseline="0" dirty="0" smtClean="0">
+                          <a:solidFill>
+                            <a:schemeClr val="tx1"/>
+                          </a:solidFill>
+                          <a:latin typeface="Arial" panose="020B0604020202020204" pitchFamily="34" charset="0"/>
+                          <a:cs typeface="Arial" panose="020B0604020202020204" pitchFamily="34" charset="0"/>
+                        </a:rPr>
+                        <a:t> of 4</a:t>
+                      </a:r>
+                      <a:r>
+                        <a:rPr lang="nl-NL" sz="1000" b="1" baseline="30000" dirty="0" smtClean="0">
+                          <a:solidFill>
+                            <a:schemeClr val="tx1"/>
+                          </a:solidFill>
+                          <a:latin typeface="Arial" panose="020B0604020202020204" pitchFamily="34" charset="0"/>
+                          <a:cs typeface="Arial" panose="020B0604020202020204" pitchFamily="34" charset="0"/>
+                        </a:rPr>
+                        <a:t>de</a:t>
+                      </a:r>
+                      <a:r>
+                        <a:rPr lang="nl-NL" sz="1000" b="1" baseline="0" dirty="0" smtClean="0">
+                          <a:solidFill>
+                            <a:schemeClr val="tx1"/>
+                          </a:solidFill>
+                          <a:latin typeface="Arial" panose="020B0604020202020204" pitchFamily="34" charset="0"/>
+                          <a:cs typeface="Arial" panose="020B0604020202020204" pitchFamily="34" charset="0"/>
+                        </a:rPr>
+                        <a:t> </a:t>
+                      </a:r>
+                      <a:r>
+                        <a:rPr lang="nl-NL" sz="1000" b="1" dirty="0" smtClean="0">
+                          <a:solidFill>
+                            <a:schemeClr val="tx1"/>
+                          </a:solidFill>
+                          <a:latin typeface="Arial" panose="020B0604020202020204" pitchFamily="34" charset="0"/>
+                          <a:cs typeface="Arial" panose="020B0604020202020204" pitchFamily="34" charset="0"/>
+                        </a:rPr>
+                        <a:t> graad </a:t>
+                      </a:r>
+                      <a:r>
                         <a:rPr lang="nl-NL" sz="1000" b="1" dirty="0">
                           <a:solidFill>
                             <a:schemeClr val="tx1"/>
@@ -10138,47 +10198,7 @@
                           <a:latin typeface="Arial" panose="020B0604020202020204" pitchFamily="34" charset="0"/>
                           <a:cs typeface="Arial" panose="020B0604020202020204" pitchFamily="34" charset="0"/>
                         </a:rPr>
-                        <a:t>1e,</a:t>
-                      </a:r>
-                      <a:r>
-                        <a:rPr lang="nl-NL" sz="1000" b="1" baseline="0" dirty="0">
-                          <a:solidFill>
-                            <a:schemeClr val="tx1"/>
-                          </a:solidFill>
-                          <a:latin typeface="Arial" panose="020B0604020202020204" pitchFamily="34" charset="0"/>
-                          <a:cs typeface="Arial" panose="020B0604020202020204" pitchFamily="34" charset="0"/>
-                        </a:rPr>
-                        <a:t> </a:t>
-                      </a:r>
-                      <a:r>
-                        <a:rPr lang="nl-NL" sz="1000" b="1" dirty="0">
-                          <a:solidFill>
-                            <a:schemeClr val="tx1"/>
-                          </a:solidFill>
-                          <a:latin typeface="Arial" panose="020B0604020202020204" pitchFamily="34" charset="0"/>
-                          <a:cs typeface="Arial" panose="020B0604020202020204" pitchFamily="34" charset="0"/>
-                        </a:rPr>
-                        <a:t>2de of 3de </a:t>
-                      </a:r>
-                      <a:r>
-                        <a:rPr lang="nl-NL" sz="1000" b="1" dirty="0" err="1">
-                          <a:solidFill>
-                            <a:schemeClr val="tx1"/>
-                          </a:solidFill>
-                          <a:latin typeface="Arial" panose="020B0604020202020204" pitchFamily="34" charset="0"/>
-                          <a:cs typeface="Arial" panose="020B0604020202020204" pitchFamily="34" charset="0"/>
-                        </a:rPr>
-                        <a:t>graads</a:t>
-                      </a:r>
-                      <a:r>
-                        <a:rPr lang="nl-NL" sz="1000" b="1" dirty="0">
-                          <a:solidFill>
-                            <a:schemeClr val="tx1"/>
-                          </a:solidFill>
-                          <a:latin typeface="Arial" panose="020B0604020202020204" pitchFamily="34" charset="0"/>
-                          <a:cs typeface="Arial" panose="020B0604020202020204" pitchFamily="34" charset="0"/>
-                        </a:rPr>
-                        <a:t> familie:</a:t>
+                        <a:t>familie:</a:t>
                       </a:r>
                     </a:p>
                   </a:txBody>
@@ -13019,7 +13039,7 @@
           <p:nvPr>
             <p:extLst>
               <p:ext uri="{D42A27DB-BD31-4B8C-83A1-F6EECF244321}">
-                <p14:modId xmlns:p14="http://schemas.microsoft.com/office/powerpoint/2010/main" val="3314660405"/>
+                <p14:modId xmlns:p14="http://schemas.microsoft.com/office/powerpoint/2010/main" val="336770930"/>
               </p:ext>
             </p:extLst>
           </p:nvPr>
@@ -16899,6 +16919,66 @@
                     <a:lstStyle/>
                     <a:p>
                       <a:r>
+                        <a:rPr lang="nl-NL" sz="1000" b="1" dirty="0" smtClean="0">
+                          <a:solidFill>
+                            <a:schemeClr val="tx1"/>
+                          </a:solidFill>
+                          <a:latin typeface="Arial" panose="020B0604020202020204" pitchFamily="34" charset="0"/>
+                          <a:cs typeface="Arial" panose="020B0604020202020204" pitchFamily="34" charset="0"/>
+                        </a:rPr>
+                        <a:t>3</a:t>
+                      </a:r>
+                      <a:r>
+                        <a:rPr lang="nl-NL" sz="1000" b="1" baseline="30000" dirty="0" smtClean="0">
+                          <a:solidFill>
+                            <a:schemeClr val="tx1"/>
+                          </a:solidFill>
+                          <a:latin typeface="Arial" panose="020B0604020202020204" pitchFamily="34" charset="0"/>
+                          <a:cs typeface="Arial" panose="020B0604020202020204" pitchFamily="34" charset="0"/>
+                        </a:rPr>
+                        <a:t>de</a:t>
+                      </a:r>
+                      <a:r>
+                        <a:rPr lang="nl-NL" sz="1000" b="1" baseline="0" dirty="0" smtClean="0">
+                          <a:solidFill>
+                            <a:schemeClr val="tx1"/>
+                          </a:solidFill>
+                          <a:latin typeface="Arial" panose="020B0604020202020204" pitchFamily="34" charset="0"/>
+                          <a:cs typeface="Arial" panose="020B0604020202020204" pitchFamily="34" charset="0"/>
+                        </a:rPr>
+                        <a:t> of 4</a:t>
+                      </a:r>
+                      <a:r>
+                        <a:rPr lang="nl-NL" sz="1000" b="1" baseline="30000" dirty="0" smtClean="0">
+                          <a:solidFill>
+                            <a:schemeClr val="tx1"/>
+                          </a:solidFill>
+                          <a:latin typeface="Arial" panose="020B0604020202020204" pitchFamily="34" charset="0"/>
+                          <a:cs typeface="Arial" panose="020B0604020202020204" pitchFamily="34" charset="0"/>
+                        </a:rPr>
+                        <a:t>de</a:t>
+                      </a:r>
+                      <a:r>
+                        <a:rPr lang="nl-NL" sz="1000" b="1" baseline="0" dirty="0" smtClean="0">
+                          <a:solidFill>
+                            <a:schemeClr val="tx1"/>
+                          </a:solidFill>
+                          <a:latin typeface="Arial" panose="020B0604020202020204" pitchFamily="34" charset="0"/>
+                          <a:cs typeface="Arial" panose="020B0604020202020204" pitchFamily="34" charset="0"/>
+                        </a:rPr>
+                        <a:t> </a:t>
+                      </a:r>
+                      <a:r>
+                        <a:rPr lang="nl-NL" sz="1000" b="1" dirty="0" smtClean="0">
+                          <a:solidFill>
+                            <a:schemeClr val="tx1"/>
+                          </a:solidFill>
+                          <a:latin typeface="Arial" panose="020B0604020202020204" pitchFamily="34" charset="0"/>
+                          <a:cs typeface="Arial" panose="020B0604020202020204" pitchFamily="34" charset="0"/>
+                        </a:rPr>
+                        <a:t>graad </a:t>
+                      </a:r>
+                      <a:r>
                         <a:rPr lang="nl-NL" sz="1000" b="1" dirty="0">
                           <a:solidFill>
                             <a:schemeClr val="tx1"/>
@@ -16906,47 +16986,7 @@
                           <a:latin typeface="Arial" panose="020B0604020202020204" pitchFamily="34" charset="0"/>
                           <a:cs typeface="Arial" panose="020B0604020202020204" pitchFamily="34" charset="0"/>
                         </a:rPr>
-                        <a:t>1e,</a:t>
-                      </a:r>
-                      <a:r>
-                        <a:rPr lang="nl-NL" sz="1000" b="1" baseline="0" dirty="0">
-                          <a:solidFill>
-                            <a:schemeClr val="tx1"/>
-                          </a:solidFill>
-                          <a:latin typeface="Arial" panose="020B0604020202020204" pitchFamily="34" charset="0"/>
-                          <a:cs typeface="Arial" panose="020B0604020202020204" pitchFamily="34" charset="0"/>
-                        </a:rPr>
-                        <a:t> </a:t>
-                      </a:r>
-                      <a:r>
-                        <a:rPr lang="nl-NL" sz="1000" b="1" dirty="0">
-                          <a:solidFill>
-                            <a:schemeClr val="tx1"/>
-                          </a:solidFill>
-                          <a:latin typeface="Arial" panose="020B0604020202020204" pitchFamily="34" charset="0"/>
-                          <a:cs typeface="Arial" panose="020B0604020202020204" pitchFamily="34" charset="0"/>
-                        </a:rPr>
-                        <a:t>2de of 3de </a:t>
-                      </a:r>
-                      <a:r>
-                        <a:rPr lang="nl-NL" sz="1000" b="1" dirty="0" err="1">
-                          <a:solidFill>
-                            <a:schemeClr val="tx1"/>
-                          </a:solidFill>
-                          <a:latin typeface="Arial" panose="020B0604020202020204" pitchFamily="34" charset="0"/>
-                          <a:cs typeface="Arial" panose="020B0604020202020204" pitchFamily="34" charset="0"/>
-                        </a:rPr>
-                        <a:t>graads</a:t>
-                      </a:r>
-                      <a:r>
-                        <a:rPr lang="nl-NL" sz="1000" b="1" dirty="0">
-                          <a:solidFill>
-                            <a:schemeClr val="tx1"/>
-                          </a:solidFill>
-                          <a:latin typeface="Arial" panose="020B0604020202020204" pitchFamily="34" charset="0"/>
-                          <a:cs typeface="Arial" panose="020B0604020202020204" pitchFamily="34" charset="0"/>
-                        </a:rPr>
-                        <a:t> familie:</a:t>
+                        <a:t>familie:</a:t>
                       </a:r>
                     </a:p>
                   </a:txBody>
@@ -17735,7 +17775,7 @@
           <p:nvPr>
             <p:extLst>
               <p:ext uri="{D42A27DB-BD31-4B8C-83A1-F6EECF244321}">
-                <p14:modId xmlns:p14="http://schemas.microsoft.com/office/powerpoint/2010/main" val="1303836161"/>
+                <p14:modId xmlns:p14="http://schemas.microsoft.com/office/powerpoint/2010/main" val="1761235011"/>
               </p:ext>
             </p:extLst>
           </p:nvPr>
@@ -19404,6 +19444,52 @@
                   <a:txBody>
                     <a:bodyPr/>
                     <a:lstStyle/>
+                    <a:p>
+                      <a:pPr marL="0" marR="0" lvl="0" indent="0" algn="l" defTabSz="914400" rtl="0" eaLnBrk="1" fontAlgn="auto" latinLnBrk="0" hangingPunct="1">
+                        <a:lnSpc>
+                          <a:spcPct val="100000"/>
+                        </a:lnSpc>
+                        <a:spcBef>
+                          <a:spcPts val="0"/>
+                        </a:spcBef>
+                        <a:spcAft>
+                          <a:spcPts val="0"/>
+                        </a:spcAft>
+                        <a:buClrTx/>
+                        <a:buSzTx/>
+                        <a:buFontTx/>
+                        <a:buNone/>
+                        <a:tabLst/>
+                        <a:defRPr/>
+                      </a:pPr>
+                      <a:r>
+                        <a:rPr lang="nl-NL" sz="1000" smtClean="0">
+                          <a:solidFill>
+                            <a:schemeClr val="tx1"/>
+                          </a:solidFill>
+                          <a:latin typeface="Arial" panose="020B0604020202020204" pitchFamily="34" charset="0"/>
+                          <a:cs typeface="Arial" panose="020B0604020202020204" pitchFamily="34" charset="0"/>
+                        </a:rPr>
+                        <a:t>Ze hebben</a:t>
+                      </a:r>
+                      <a:r>
+                        <a:rPr lang="nl-NL" sz="1000" baseline="0" smtClean="0">
+                          <a:solidFill>
+                            <a:schemeClr val="tx1"/>
+                          </a:solidFill>
+                          <a:latin typeface="Arial" panose="020B0604020202020204" pitchFamily="34" charset="0"/>
+                          <a:cs typeface="Arial" panose="020B0604020202020204" pitchFamily="34" charset="0"/>
+                        </a:rPr>
+                        <a:t> een datum in de toekomst voor ogen en willen de datum graag alvast vastleggen. </a:t>
+                      </a:r>
+                      <a:endParaRPr lang="nl-NL" sz="1000" smtClean="0">
+                        <a:solidFill>
+                          <a:schemeClr val="tx1"/>
+                        </a:solidFill>
+                        <a:latin typeface="Arial" panose="020B0604020202020204" pitchFamily="34" charset="0"/>
+                        <a:cs typeface="Arial" panose="020B0604020202020204" pitchFamily="34" charset="0"/>
+                      </a:endParaRPr>
+                    </a:p>
                     <a:p>
                       <a:endParaRPr lang="nl-NL" sz="1000" dirty="0">
                         <a:solidFill>
@@ -19848,7 +19934,7 @@
           <p:nvPr>
             <p:extLst>
               <p:ext uri="{D42A27DB-BD31-4B8C-83A1-F6EECF244321}">
-                <p14:modId xmlns:p14="http://schemas.microsoft.com/office/powerpoint/2010/main" val="2954923068"/>
+                <p14:modId xmlns:p14="http://schemas.microsoft.com/office/powerpoint/2010/main" val="3770162804"/>
               </p:ext>
             </p:extLst>
           </p:nvPr>
@@ -23703,14 +23789,34 @@
                     <a:lstStyle/>
                     <a:p>
                       <a:r>
-                        <a:rPr lang="nl-NL" sz="1000" b="1" dirty="0">
-                          <a:solidFill>
-                            <a:schemeClr val="tx1"/>
-                          </a:solidFill>
-                          <a:latin typeface="Arial" panose="020B0604020202020204" pitchFamily="34" charset="0"/>
-                          <a:cs typeface="Arial" panose="020B0604020202020204" pitchFamily="34" charset="0"/>
-                        </a:rPr>
-                        <a:t>1e,</a:t>
+                        <a:rPr lang="nl-NL" sz="1000" b="1" dirty="0" smtClean="0">
+                          <a:solidFill>
+                            <a:schemeClr val="tx1"/>
+                          </a:solidFill>
+                          <a:latin typeface="Arial" panose="020B0604020202020204" pitchFamily="34" charset="0"/>
+                          <a:cs typeface="Arial" panose="020B0604020202020204" pitchFamily="34" charset="0"/>
+                        </a:rPr>
+                        <a:t>3</a:t>
+                      </a:r>
+                      <a:r>
+                        <a:rPr lang="nl-NL" sz="1000" b="1" baseline="30000" dirty="0" smtClean="0">
+                          <a:solidFill>
+                            <a:schemeClr val="tx1"/>
+                          </a:solidFill>
+                          <a:latin typeface="Arial" panose="020B0604020202020204" pitchFamily="34" charset="0"/>
+                          <a:cs typeface="Arial" panose="020B0604020202020204" pitchFamily="34" charset="0"/>
+                        </a:rPr>
+                        <a:t>de</a:t>
+                      </a:r>
+                      <a:r>
+                        <a:rPr lang="nl-NL" sz="1000" b="1" baseline="0" dirty="0" smtClean="0">
+                          <a:solidFill>
+                            <a:schemeClr val="tx1"/>
+                          </a:solidFill>
+                          <a:latin typeface="Arial" panose="020B0604020202020204" pitchFamily="34" charset="0"/>
+                          <a:cs typeface="Arial" panose="020B0604020202020204" pitchFamily="34" charset="0"/>
+                        </a:rPr>
+                        <a:t> </a:t>
                       </a:r>
                       <a:r>
                         <a:rPr lang="nl-NL" sz="1000" b="1" baseline="0" dirty="0">
@@ -23720,57 +23826,7 @@
                           <a:latin typeface="Arial" panose="020B0604020202020204" pitchFamily="34" charset="0"/>
                           <a:cs typeface="Arial" panose="020B0604020202020204" pitchFamily="34" charset="0"/>
                         </a:rPr>
-                        <a:t> </a:t>
-                      </a:r>
-                      <a:r>
-                        <a:rPr lang="nl-NL" sz="1000" b="1" dirty="0">
-                          <a:solidFill>
-                            <a:schemeClr val="tx1"/>
-                          </a:solidFill>
-                          <a:latin typeface="Arial" panose="020B0604020202020204" pitchFamily="34" charset="0"/>
-                          <a:cs typeface="Arial" panose="020B0604020202020204" pitchFamily="34" charset="0"/>
-                        </a:rPr>
-                        <a:t>2</a:t>
-                      </a:r>
-                      <a:r>
-                        <a:rPr lang="nl-NL" sz="1000" b="1" baseline="30000" dirty="0">
-                          <a:solidFill>
-                            <a:schemeClr val="tx1"/>
-                          </a:solidFill>
-                          <a:latin typeface="Arial" panose="020B0604020202020204" pitchFamily="34" charset="0"/>
-                          <a:cs typeface="Arial" panose="020B0604020202020204" pitchFamily="34" charset="0"/>
-                        </a:rPr>
-                        <a:t>de</a:t>
-                      </a:r>
-                      <a:r>
-                        <a:rPr lang="nl-NL" sz="1000" b="1" dirty="0">
-                          <a:solidFill>
-                            <a:schemeClr val="tx1"/>
-                          </a:solidFill>
-                          <a:latin typeface="Arial" panose="020B0604020202020204" pitchFamily="34" charset="0"/>
-                          <a:cs typeface="Arial" panose="020B0604020202020204" pitchFamily="34" charset="0"/>
-                        </a:rPr>
-                        <a:t>, 3</a:t>
-                      </a:r>
-                      <a:r>
-                        <a:rPr lang="nl-NL" sz="1000" b="1" baseline="30000" dirty="0">
-                          <a:solidFill>
-                            <a:schemeClr val="tx1"/>
-                          </a:solidFill>
-                          <a:latin typeface="Arial" panose="020B0604020202020204" pitchFamily="34" charset="0"/>
-                          <a:cs typeface="Arial" panose="020B0604020202020204" pitchFamily="34" charset="0"/>
-                        </a:rPr>
-                        <a:t>de</a:t>
-                      </a:r>
-                      <a:r>
-                        <a:rPr lang="nl-NL" sz="1000" b="1" baseline="0" dirty="0">
-                          <a:solidFill>
-                            <a:schemeClr val="tx1"/>
-                          </a:solidFill>
-                          <a:latin typeface="Arial" panose="020B0604020202020204" pitchFamily="34" charset="0"/>
-                          <a:cs typeface="Arial" panose="020B0604020202020204" pitchFamily="34" charset="0"/>
-                        </a:rPr>
-                        <a:t> of 4</a:t>
+                        <a:t>of 4</a:t>
                       </a:r>
                       <a:r>
                         <a:rPr lang="nl-NL" sz="1000" b="1" baseline="30000" dirty="0">
